--- a/Retrospective.pptx
+++ b/Retrospective.pptx
@@ -5,13 +5,16 @@
     <p:sldMasterId id="2147483684" r:id="rId1"/>
   </p:sldMasterIdLst>
   <p:notesMasterIdLst>
-    <p:notesMasterId r:id="rId3"/>
+    <p:notesMasterId r:id="rId6"/>
   </p:notesMasterIdLst>
   <p:handoutMasterIdLst>
-    <p:handoutMasterId r:id="rId4"/>
+    <p:handoutMasterId r:id="rId7"/>
   </p:handoutMasterIdLst>
   <p:sldIdLst>
     <p:sldId id="365" r:id="rId2"/>
+    <p:sldId id="366" r:id="rId3"/>
+    <p:sldId id="367" r:id="rId4"/>
+    <p:sldId id="368" r:id="rId5"/>
   </p:sldIdLst>
   <p:sldSz cx="9144000" cy="6858000" type="screen4x3"/>
   <p:notesSz cx="6858000" cy="9144000"/>
@@ -3125,14 +3128,14 @@
           </a:ln>
           <a:extLst>
             <a:ext uri="{909E8E84-426E-40dd-AFC4-6F175D3DCCD1}">
-              <a14:hiddenFill xmlns:a14="http://schemas.microsoft.com/office/drawing/2010/main" xmlns="">
+              <a14:hiddenFill xmlns="" xmlns:a14="http://schemas.microsoft.com/office/drawing/2010/main">
                 <a:solidFill>
                   <a:srgbClr val="FFFFFF"/>
                 </a:solidFill>
               </a14:hiddenFill>
             </a:ext>
             <a:ext uri="{91240B29-F687-4f45-9708-019B960494DF}">
-              <a14:hiddenLine xmlns:a14="http://schemas.microsoft.com/office/drawing/2010/main" xmlns="" w="9525">
+              <a14:hiddenLine xmlns="" xmlns:a14="http://schemas.microsoft.com/office/drawing/2010/main" w="9525">
                 <a:solidFill>
                   <a:srgbClr val="000000"/>
                 </a:solidFill>
@@ -3183,14 +3186,14 @@
           </a:ln>
           <a:extLst>
             <a:ext uri="{909E8E84-426E-40dd-AFC4-6F175D3DCCD1}">
-              <a14:hiddenFill xmlns:a14="http://schemas.microsoft.com/office/drawing/2010/main" xmlns="">
+              <a14:hiddenFill xmlns="" xmlns:a14="http://schemas.microsoft.com/office/drawing/2010/main">
                 <a:solidFill>
                   <a:srgbClr val="FFFFFF"/>
                 </a:solidFill>
               </a14:hiddenFill>
             </a:ext>
             <a:ext uri="{91240B29-F687-4f45-9708-019B960494DF}">
-              <a14:hiddenLine xmlns:a14="http://schemas.microsoft.com/office/drawing/2010/main" xmlns="" w="9525">
+              <a14:hiddenLine xmlns="" xmlns:a14="http://schemas.microsoft.com/office/drawing/2010/main" w="9525">
                 <a:solidFill>
                   <a:srgbClr val="000000"/>
                 </a:solidFill>
@@ -3965,21 +3968,8 @@
                   <a:schemeClr val="tx1"/>
                 </a:solidFill>
               </a:rPr>
-              <a:t> does not easily conform to OOP design, takes a lot of getting used to </a:t>
-            </a:r>
-            <a:r>
-              <a:rPr lang="en-US" sz="1600">
-                <a:solidFill>
-                  <a:schemeClr val="tx1"/>
-                </a:solidFill>
-              </a:rPr>
-              <a:t>designing under</a:t>
-            </a:r>
-            <a:endParaRPr lang="en-US" sz="1600" dirty="0">
-              <a:solidFill>
-                <a:schemeClr val="tx1"/>
-              </a:solidFill>
-            </a:endParaRPr>
+              <a:t> does not easily conform to OOP design, takes a lot of getting used to designing under</a:t>
+            </a:r>
           </a:p>
           <a:p>
             <a:pPr lvl="2">
@@ -4035,6 +4025,366 @@
     <p:extLst>
       <p:ext uri="{BB962C8B-B14F-4D97-AF65-F5344CB8AC3E}">
         <p14:creationId xmlns:p14="http://schemas.microsoft.com/office/powerpoint/2010/main" val="2904930579"/>
+      </p:ext>
+    </p:extLst>
+  </p:cSld>
+  <p:clrMapOvr>
+    <a:masterClrMapping/>
+  </p:clrMapOvr>
+</p:sld>
+</file>
+
+<file path=ppt/slides/slide2.xml><?xml version="1.0" encoding="utf-8"?>
+<p:sld xmlns:a="http://schemas.openxmlformats.org/drawingml/2006/main" xmlns:r="http://schemas.openxmlformats.org/officeDocument/2006/relationships" xmlns:p="http://schemas.openxmlformats.org/presentationml/2006/main">
+  <p:cSld>
+    <p:spTree>
+      <p:nvGrpSpPr>
+        <p:cNvPr id="1" name=""/>
+        <p:cNvGrpSpPr/>
+        <p:nvPr/>
+      </p:nvGrpSpPr>
+      <p:grpSpPr>
+        <a:xfrm>
+          <a:off x="0" y="0"/>
+          <a:ext cx="0" cy="0"/>
+          <a:chOff x="0" y="0"/>
+          <a:chExt cx="0" cy="0"/>
+        </a:xfrm>
+      </p:grpSpPr>
+      <p:sp>
+        <p:nvSpPr>
+          <p:cNvPr id="2" name="Title 1">
+            <a:extLst>
+              <a:ext uri="{FF2B5EF4-FFF2-40B4-BE49-F238E27FC236}">
+                <a16:creationId xmlns:a16="http://schemas.microsoft.com/office/drawing/2014/main" id="{B448FC6D-82F5-4A1A-B2E1-9EB144635D34}"/>
+              </a:ext>
+            </a:extLst>
+          </p:cNvPr>
+          <p:cNvSpPr>
+            <a:spLocks noGrp="1"/>
+          </p:cNvSpPr>
+          <p:nvPr>
+            <p:ph type="title"/>
+          </p:nvPr>
+        </p:nvSpPr>
+        <p:spPr/>
+        <p:txBody>
+          <a:bodyPr/>
+          <a:lstStyle/>
+          <a:p>
+            <a:r>
+              <a:rPr lang="en-US" dirty="0"/>
+              <a:t>Individual Portions</a:t>
+            </a:r>
+          </a:p>
+        </p:txBody>
+      </p:sp>
+      <p:sp>
+        <p:nvSpPr>
+          <p:cNvPr id="3" name="Content Placeholder 2">
+            <a:extLst>
+              <a:ext uri="{FF2B5EF4-FFF2-40B4-BE49-F238E27FC236}">
+                <a16:creationId xmlns:a16="http://schemas.microsoft.com/office/drawing/2014/main" id="{9AFDB800-3477-4AD9-91AC-DF1379F5E777}"/>
+              </a:ext>
+            </a:extLst>
+          </p:cNvPr>
+          <p:cNvSpPr>
+            <a:spLocks noGrp="1"/>
+          </p:cNvSpPr>
+          <p:nvPr>
+            <p:ph idx="1"/>
+          </p:nvPr>
+        </p:nvSpPr>
+        <p:spPr/>
+        <p:txBody>
+          <a:bodyPr/>
+          <a:lstStyle/>
+          <a:p>
+            <a:r>
+              <a:rPr lang="en-US" dirty="0"/>
+              <a:t>What is impeding us?</a:t>
+            </a:r>
+          </a:p>
+          <a:p>
+            <a:pPr lvl="1"/>
+            <a:r>
+              <a:rPr lang="en-US" dirty="0"/>
+              <a:t>Cody- Use a </a:t>
+            </a:r>
+            <a:r>
+              <a:rPr lang="en-US" dirty="0" err="1"/>
+              <a:t>calender</a:t>
+            </a:r>
+            <a:r>
+              <a:rPr lang="en-US" dirty="0"/>
+              <a:t> or set dates on </a:t>
+            </a:r>
+            <a:r>
+              <a:rPr lang="en-US" dirty="0" err="1"/>
+              <a:t>Zenhub</a:t>
+            </a:r>
+            <a:r>
+              <a:rPr lang="en-US" dirty="0"/>
+              <a:t>.</a:t>
+            </a:r>
+          </a:p>
+          <a:p>
+            <a:pPr lvl="1"/>
+            <a:r>
+              <a:rPr lang="en-US" dirty="0"/>
+              <a:t>Levi- Once We understand JavaScript functionality, we can make a working UML, making code cleaner and more efficient to code.</a:t>
+            </a:r>
+          </a:p>
+          <a:p>
+            <a:pPr lvl="1"/>
+            <a:r>
+              <a:rPr lang="en-US" dirty="0"/>
+              <a:t>Eric- Better communication on my part.</a:t>
+            </a:r>
+          </a:p>
+          <a:p>
+            <a:pPr lvl="1"/>
+            <a:r>
+              <a:rPr lang="en-US" dirty="0"/>
+              <a:t>Joel-</a:t>
+            </a:r>
+          </a:p>
+          <a:p>
+            <a:pPr lvl="1"/>
+            <a:r>
+              <a:rPr lang="en-US" dirty="0"/>
+              <a:t>Michael- Create a convention for how our code is formatted, and more documentation on pre/post conditions of functions</a:t>
+            </a:r>
+          </a:p>
+        </p:txBody>
+      </p:sp>
+    </p:spTree>
+    <p:extLst>
+      <p:ext uri="{BB962C8B-B14F-4D97-AF65-F5344CB8AC3E}">
+        <p14:creationId xmlns:p14="http://schemas.microsoft.com/office/powerpoint/2010/main" val="3175316208"/>
+      </p:ext>
+    </p:extLst>
+  </p:cSld>
+  <p:clrMapOvr>
+    <a:masterClrMapping/>
+  </p:clrMapOvr>
+</p:sld>
+</file>
+
+<file path=ppt/slides/slide3.xml><?xml version="1.0" encoding="utf-8"?>
+<p:sld xmlns:a="http://schemas.openxmlformats.org/drawingml/2006/main" xmlns:r="http://schemas.openxmlformats.org/officeDocument/2006/relationships" xmlns:p="http://schemas.openxmlformats.org/presentationml/2006/main">
+  <p:cSld>
+    <p:spTree>
+      <p:nvGrpSpPr>
+        <p:cNvPr id="1" name=""/>
+        <p:cNvGrpSpPr/>
+        <p:nvPr/>
+      </p:nvGrpSpPr>
+      <p:grpSpPr>
+        <a:xfrm>
+          <a:off x="0" y="0"/>
+          <a:ext cx="0" cy="0"/>
+          <a:chOff x="0" y="0"/>
+          <a:chExt cx="0" cy="0"/>
+        </a:xfrm>
+      </p:grpSpPr>
+      <p:sp>
+        <p:nvSpPr>
+          <p:cNvPr id="2" name="Title 1">
+            <a:extLst>
+              <a:ext uri="{FF2B5EF4-FFF2-40B4-BE49-F238E27FC236}">
+                <a16:creationId xmlns:a16="http://schemas.microsoft.com/office/drawing/2014/main" id="{04A61DEE-1E26-4350-B394-19624F1AC70A}"/>
+              </a:ext>
+            </a:extLst>
+          </p:cNvPr>
+          <p:cNvSpPr>
+            <a:spLocks noGrp="1"/>
+          </p:cNvSpPr>
+          <p:nvPr>
+            <p:ph type="title"/>
+          </p:nvPr>
+        </p:nvSpPr>
+        <p:spPr/>
+        <p:txBody>
+          <a:bodyPr/>
+          <a:lstStyle/>
+          <a:p>
+            <a:endParaRPr lang="en-US" dirty="0"/>
+          </a:p>
+        </p:txBody>
+      </p:sp>
+      <p:sp>
+        <p:nvSpPr>
+          <p:cNvPr id="3" name="Content Placeholder 2">
+            <a:extLst>
+              <a:ext uri="{FF2B5EF4-FFF2-40B4-BE49-F238E27FC236}">
+                <a16:creationId xmlns:a16="http://schemas.microsoft.com/office/drawing/2014/main" id="{D320F8E7-647F-4EFC-B9B4-4B9F37EFE90E}"/>
+              </a:ext>
+            </a:extLst>
+          </p:cNvPr>
+          <p:cNvSpPr>
+            <a:spLocks noGrp="1"/>
+          </p:cNvSpPr>
+          <p:nvPr>
+            <p:ph idx="1"/>
+          </p:nvPr>
+        </p:nvSpPr>
+        <p:spPr/>
+        <p:txBody>
+          <a:bodyPr/>
+          <a:lstStyle/>
+          <a:p>
+            <a:r>
+              <a:rPr lang="en-US" dirty="0"/>
+              <a:t>What can we do to improve?</a:t>
+            </a:r>
+          </a:p>
+          <a:p>
+            <a:pPr lvl="1"/>
+            <a:r>
+              <a:rPr lang="en-US" dirty="0"/>
+              <a:t>Cody- I know that I have a problem with spacing out projects, I need to spread out my time more efficiently by spacing my projects out and using </a:t>
+            </a:r>
+            <a:r>
+              <a:rPr lang="en-US" dirty="0" err="1"/>
+              <a:t>Zenhub</a:t>
+            </a:r>
+            <a:r>
+              <a:rPr lang="en-US" dirty="0"/>
+              <a:t> more effectively would help.</a:t>
+            </a:r>
+          </a:p>
+          <a:p>
+            <a:pPr lvl="1"/>
+            <a:r>
+              <a:rPr lang="en-US" dirty="0"/>
+              <a:t>Levi- Further understanding JavaScript and backends working with JavaScript will increase productivity. Once my desktop is built, I will be able to increase productivity as it wont take 10 minuets to turn on my computer and 5 minuets to open an IDE. Better weekend time management. </a:t>
+            </a:r>
+          </a:p>
+          <a:p>
+            <a:pPr lvl="1"/>
+            <a:endParaRPr lang="en-US" dirty="0"/>
+          </a:p>
+        </p:txBody>
+      </p:sp>
+    </p:spTree>
+    <p:extLst>
+      <p:ext uri="{BB962C8B-B14F-4D97-AF65-F5344CB8AC3E}">
+        <p14:creationId xmlns:p14="http://schemas.microsoft.com/office/powerpoint/2010/main" val="2733456933"/>
+      </p:ext>
+    </p:extLst>
+  </p:cSld>
+  <p:clrMapOvr>
+    <a:masterClrMapping/>
+  </p:clrMapOvr>
+</p:sld>
+</file>
+
+<file path=ppt/slides/slide4.xml><?xml version="1.0" encoding="utf-8"?>
+<p:sld xmlns:a="http://schemas.openxmlformats.org/drawingml/2006/main" xmlns:r="http://schemas.openxmlformats.org/officeDocument/2006/relationships" xmlns:p="http://schemas.openxmlformats.org/presentationml/2006/main">
+  <p:cSld>
+    <p:spTree>
+      <p:nvGrpSpPr>
+        <p:cNvPr id="1" name=""/>
+        <p:cNvGrpSpPr/>
+        <p:nvPr/>
+      </p:nvGrpSpPr>
+      <p:grpSpPr>
+        <a:xfrm>
+          <a:off x="0" y="0"/>
+          <a:ext cx="0" cy="0"/>
+          <a:chOff x="0" y="0"/>
+          <a:chExt cx="0" cy="0"/>
+        </a:xfrm>
+      </p:grpSpPr>
+      <p:sp>
+        <p:nvSpPr>
+          <p:cNvPr id="2" name="Title 1">
+            <a:extLst>
+              <a:ext uri="{FF2B5EF4-FFF2-40B4-BE49-F238E27FC236}">
+                <a16:creationId xmlns:a16="http://schemas.microsoft.com/office/drawing/2014/main" id="{6004FE9F-E52C-4616-AE5F-80D2F7638161}"/>
+              </a:ext>
+            </a:extLst>
+          </p:cNvPr>
+          <p:cNvSpPr>
+            <a:spLocks noGrp="1"/>
+          </p:cNvSpPr>
+          <p:nvPr>
+            <p:ph type="title"/>
+          </p:nvPr>
+        </p:nvSpPr>
+        <p:spPr/>
+        <p:txBody>
+          <a:bodyPr/>
+          <a:lstStyle/>
+          <a:p>
+            <a:endParaRPr lang="en-US"/>
+          </a:p>
+        </p:txBody>
+      </p:sp>
+      <p:sp>
+        <p:nvSpPr>
+          <p:cNvPr id="3" name="Content Placeholder 2">
+            <a:extLst>
+              <a:ext uri="{FF2B5EF4-FFF2-40B4-BE49-F238E27FC236}">
+                <a16:creationId xmlns:a16="http://schemas.microsoft.com/office/drawing/2014/main" id="{387168AA-A1A9-490F-A00E-A7403ABAB153}"/>
+              </a:ext>
+            </a:extLst>
+          </p:cNvPr>
+          <p:cNvSpPr>
+            <a:spLocks noGrp="1"/>
+          </p:cNvSpPr>
+          <p:nvPr>
+            <p:ph idx="1"/>
+          </p:nvPr>
+        </p:nvSpPr>
+        <p:spPr/>
+        <p:txBody>
+          <a:bodyPr/>
+          <a:lstStyle/>
+          <a:p>
+            <a:pPr lvl="1"/>
+            <a:r>
+              <a:rPr lang="en-US" dirty="0"/>
+              <a:t>Eric- Since </a:t>
+            </a:r>
+            <a:r>
+              <a:rPr lang="en-US" dirty="0" err="1"/>
+              <a:t>i'm</a:t>
+            </a:r>
+            <a:r>
+              <a:rPr lang="en-US" dirty="0"/>
+              <a:t> not the only one working on the Spotify API, it might be good for me to reach out to other team mates and discuss what </a:t>
+            </a:r>
+            <a:r>
+              <a:rPr lang="en-US" dirty="0" err="1"/>
+              <a:t>i've</a:t>
+            </a:r>
+            <a:r>
+              <a:rPr lang="en-US" dirty="0"/>
+              <a:t> learned, and see what they've learned, and approach this more cooperatively. And this applies to all aspects of the project, not just the Spotify API.</a:t>
+            </a:r>
+          </a:p>
+          <a:p>
+            <a:pPr lvl="1"/>
+            <a:r>
+              <a:rPr lang="en-US" dirty="0"/>
+              <a:t>Joel-</a:t>
+            </a:r>
+          </a:p>
+          <a:p>
+            <a:pPr lvl="1"/>
+            <a:r>
+              <a:rPr lang="en-US" dirty="0"/>
+              <a:t>Michael- Need to implement "fail fast", try to get small working pieces in progress to find roadblocks/issues faster instead of planning all resources and libraries ahead of time</a:t>
+            </a:r>
+          </a:p>
+        </p:txBody>
+      </p:sp>
+    </p:spTree>
+    <p:extLst>
+      <p:ext uri="{BB962C8B-B14F-4D97-AF65-F5344CB8AC3E}">
+        <p14:creationId xmlns:p14="http://schemas.microsoft.com/office/powerpoint/2010/main" val="2792543134"/>
       </p:ext>
     </p:extLst>
   </p:cSld>

--- a/Retrospective.pptx
+++ b/Retrospective.pptx
@@ -3128,14 +3128,14 @@
           </a:ln>
           <a:extLst>
             <a:ext uri="{909E8E84-426E-40dd-AFC4-6F175D3DCCD1}">
-              <a14:hiddenFill xmlns="" xmlns:a14="http://schemas.microsoft.com/office/drawing/2010/main">
+              <a14:hiddenFill xmlns:a14="http://schemas.microsoft.com/office/drawing/2010/main" xmlns="">
                 <a:solidFill>
                   <a:srgbClr val="FFFFFF"/>
                 </a:solidFill>
               </a14:hiddenFill>
             </a:ext>
             <a:ext uri="{91240B29-F687-4f45-9708-019B960494DF}">
-              <a14:hiddenLine xmlns="" xmlns:a14="http://schemas.microsoft.com/office/drawing/2010/main" w="9525">
+              <a14:hiddenLine xmlns:a14="http://schemas.microsoft.com/office/drawing/2010/main" xmlns="" w="9525">
                 <a:solidFill>
                   <a:srgbClr val="000000"/>
                 </a:solidFill>
@@ -3186,14 +3186,14 @@
           </a:ln>
           <a:extLst>
             <a:ext uri="{909E8E84-426E-40dd-AFC4-6F175D3DCCD1}">
-              <a14:hiddenFill xmlns="" xmlns:a14="http://schemas.microsoft.com/office/drawing/2010/main">
+              <a14:hiddenFill xmlns:a14="http://schemas.microsoft.com/office/drawing/2010/main" xmlns="">
                 <a:solidFill>
                   <a:srgbClr val="FFFFFF"/>
                 </a:solidFill>
               </a14:hiddenFill>
             </a:ext>
             <a:ext uri="{91240B29-F687-4f45-9708-019B960494DF}">
-              <a14:hiddenLine xmlns="" xmlns:a14="http://schemas.microsoft.com/office/drawing/2010/main" w="9525">
+              <a14:hiddenLine xmlns:a14="http://schemas.microsoft.com/office/drawing/2010/main" xmlns="" w="9525">
                 <a:solidFill>
                   <a:srgbClr val="000000"/>
                 </a:solidFill>
@@ -4056,7 +4056,7 @@
           <p:cNvPr id="2" name="Title 1">
             <a:extLst>
               <a:ext uri="{FF2B5EF4-FFF2-40B4-BE49-F238E27FC236}">
-                <a16:creationId xmlns:a16="http://schemas.microsoft.com/office/drawing/2014/main" id="{B448FC6D-82F5-4A1A-B2E1-9EB144635D34}"/>
+                <a16:creationId xmlns:a16="http://schemas.microsoft.com/office/drawing/2014/main" xmlns="" id="{B448FC6D-82F5-4A1A-B2E1-9EB144635D34}"/>
               </a:ext>
             </a:extLst>
           </p:cNvPr>
@@ -4084,7 +4084,7 @@
           <p:cNvPr id="3" name="Content Placeholder 2">
             <a:extLst>
               <a:ext uri="{FF2B5EF4-FFF2-40B4-BE49-F238E27FC236}">
-                <a16:creationId xmlns:a16="http://schemas.microsoft.com/office/drawing/2014/main" id="{9AFDB800-3477-4AD9-91AC-DF1379F5E777}"/>
+                <a16:creationId xmlns:a16="http://schemas.microsoft.com/office/drawing/2014/main" xmlns="" id="{9AFDB800-3477-4AD9-91AC-DF1379F5E777}"/>
               </a:ext>
             </a:extLst>
           </p:cNvPr>
@@ -4146,8 +4146,9 @@
             <a:pPr lvl="1"/>
             <a:r>
               <a:rPr lang="en-US" dirty="0"/>
-              <a:t>Joel-</a:t>
-            </a:r>
+              <a:t>Joel- Research what resources are available online to help my coding</a:t>
+            </a:r>
+            <a:endParaRPr lang="en-US" dirty="0"/>
           </a:p>
           <a:p>
             <a:pPr lvl="1"/>
@@ -4193,7 +4194,7 @@
           <p:cNvPr id="2" name="Title 1">
             <a:extLst>
               <a:ext uri="{FF2B5EF4-FFF2-40B4-BE49-F238E27FC236}">
-                <a16:creationId xmlns:a16="http://schemas.microsoft.com/office/drawing/2014/main" id="{04A61DEE-1E26-4350-B394-19624F1AC70A}"/>
+                <a16:creationId xmlns:a16="http://schemas.microsoft.com/office/drawing/2014/main" xmlns="" id="{04A61DEE-1E26-4350-B394-19624F1AC70A}"/>
               </a:ext>
             </a:extLst>
           </p:cNvPr>
@@ -4218,7 +4219,7 @@
           <p:cNvPr id="3" name="Content Placeholder 2">
             <a:extLst>
               <a:ext uri="{FF2B5EF4-FFF2-40B4-BE49-F238E27FC236}">
-                <a16:creationId xmlns:a16="http://schemas.microsoft.com/office/drawing/2014/main" id="{D320F8E7-647F-4EFC-B9B4-4B9F37EFE90E}"/>
+                <a16:creationId xmlns:a16="http://schemas.microsoft.com/office/drawing/2014/main" xmlns="" id="{D320F8E7-647F-4EFC-B9B4-4B9F37EFE90E}"/>
               </a:ext>
             </a:extLst>
           </p:cNvPr>
@@ -4302,7 +4303,7 @@
           <p:cNvPr id="2" name="Title 1">
             <a:extLst>
               <a:ext uri="{FF2B5EF4-FFF2-40B4-BE49-F238E27FC236}">
-                <a16:creationId xmlns:a16="http://schemas.microsoft.com/office/drawing/2014/main" id="{6004FE9F-E52C-4616-AE5F-80D2F7638161}"/>
+                <a16:creationId xmlns:a16="http://schemas.microsoft.com/office/drawing/2014/main" xmlns="" id="{6004FE9F-E52C-4616-AE5F-80D2F7638161}"/>
               </a:ext>
             </a:extLst>
           </p:cNvPr>
@@ -4327,7 +4328,7 @@
           <p:cNvPr id="3" name="Content Placeholder 2">
             <a:extLst>
               <a:ext uri="{FF2B5EF4-FFF2-40B4-BE49-F238E27FC236}">
-                <a16:creationId xmlns:a16="http://schemas.microsoft.com/office/drawing/2014/main" id="{387168AA-A1A9-490F-A00E-A7403ABAB153}"/>
+                <a16:creationId xmlns:a16="http://schemas.microsoft.com/office/drawing/2014/main" xmlns="" id="{387168AA-A1A9-490F-A00E-A7403ABAB153}"/>
               </a:ext>
             </a:extLst>
           </p:cNvPr>
@@ -4369,8 +4370,9 @@
             <a:pPr lvl="1"/>
             <a:r>
               <a:rPr lang="en-US" dirty="0"/>
-              <a:t>Joel-</a:t>
-            </a:r>
+              <a:t>Joel- I need to start looking at other Twitch bot API's so that I can see what goals I can achieve in regards to the functionality of the Twitch bot code.</a:t>
+            </a:r>
+            <a:endParaRPr lang="en-US" dirty="0"/>
           </a:p>
           <a:p>
             <a:pPr lvl="1"/>
